--- a/decision_science/Slides.pptx
+++ b/decision_science/Slides.pptx
@@ -4261,8 +4261,13 @@
             </a:r>
             <a:r>
               <a:rPr lang="fr-FR" dirty="0"/>
-              <a:t> &gt; 2 and p-value = 6%)</a:t>
-            </a:r>
+              <a:t> &gt; 2 and p-value </a:t>
+            </a:r>
+            <a:r>
+              <a:rPr lang="fr-FR"/>
+              <a:t>= 6.6%)</a:t>
+            </a:r>
+            <a:endParaRPr lang="fr-FR" dirty="0"/>
           </a:p>
           <a:p>
             <a:r>
